--- a/jsf_part3.pptx
+++ b/jsf_part3.pptx
@@ -5,7 +5,7 @@
     <p:sldMasterId id="2147483648" r:id="rId1"/>
   </p:sldMasterIdLst>
   <p:notesMasterIdLst>
-    <p:notesMasterId r:id="rId21"/>
+    <p:notesMasterId r:id="rId28"/>
   </p:notesMasterIdLst>
   <p:sldIdLst>
     <p:sldId id="312" r:id="rId2"/>
@@ -27,6 +27,13 @@
     <p:sldId id="429" r:id="rId18"/>
     <p:sldId id="431" r:id="rId19"/>
     <p:sldId id="430" r:id="rId20"/>
+    <p:sldId id="432" r:id="rId21"/>
+    <p:sldId id="433" r:id="rId22"/>
+    <p:sldId id="434" r:id="rId23"/>
+    <p:sldId id="435" r:id="rId24"/>
+    <p:sldId id="436" r:id="rId25"/>
+    <p:sldId id="437" r:id="rId26"/>
+    <p:sldId id="438" r:id="rId27"/>
   </p:sldIdLst>
   <p:sldSz cx="12192000" cy="6858000"/>
   <p:notesSz cx="6858000" cy="9144000"/>
@@ -6577,6 +6584,1098 @@
     <p:extLst>
       <p:ext uri="{BB962C8B-B14F-4D97-AF65-F5344CB8AC3E}">
         <p14:creationId xmlns:p14="http://schemas.microsoft.com/office/powerpoint/2010/main" val="2190931191"/>
+      </p:ext>
+    </p:extLst>
+  </p:cSld>
+  <p:clrMapOvr>
+    <a:masterClrMapping/>
+  </p:clrMapOvr>
+</p:sld>
+</file>
+
+<file path=ppt/slides/slide20.xml><?xml version="1.0" encoding="utf-8"?>
+<p:sld xmlns:a="http://schemas.openxmlformats.org/drawingml/2006/main" xmlns:r="http://schemas.openxmlformats.org/officeDocument/2006/relationships" xmlns:p="http://schemas.openxmlformats.org/presentationml/2006/main">
+  <p:cSld>
+    <p:spTree>
+      <p:nvGrpSpPr>
+        <p:cNvPr id="1" name=""/>
+        <p:cNvGrpSpPr/>
+        <p:nvPr/>
+      </p:nvGrpSpPr>
+      <p:grpSpPr>
+        <a:xfrm>
+          <a:off x="0" y="0"/>
+          <a:ext cx="0" cy="0"/>
+          <a:chOff x="0" y="0"/>
+          <a:chExt cx="0" cy="0"/>
+        </a:xfrm>
+      </p:grpSpPr>
+      <p:sp>
+        <p:nvSpPr>
+          <p:cNvPr id="2" name="Title 1">
+            <a:extLst>
+              <a:ext uri="{FF2B5EF4-FFF2-40B4-BE49-F238E27FC236}">
+                <a16:creationId xmlns:a16="http://schemas.microsoft.com/office/drawing/2014/main" id="{1777D352-9581-49EF-8DC8-FBDA9C696126}"/>
+              </a:ext>
+            </a:extLst>
+          </p:cNvPr>
+          <p:cNvSpPr>
+            <a:spLocks noGrp="1"/>
+          </p:cNvSpPr>
+          <p:nvPr>
+            <p:ph type="title"/>
+          </p:nvPr>
+        </p:nvSpPr>
+        <p:spPr/>
+        <p:txBody>
+          <a:bodyPr/>
+          <a:lstStyle/>
+          <a:p>
+            <a:r>
+              <a:rPr lang="en-US" dirty="0"/>
+              <a:t>AJAX</a:t>
+            </a:r>
+            <a:endParaRPr lang="he-IL" dirty="0"/>
+          </a:p>
+        </p:txBody>
+      </p:sp>
+      <p:sp>
+        <p:nvSpPr>
+          <p:cNvPr id="3" name="Content Placeholder 2">
+            <a:extLst>
+              <a:ext uri="{FF2B5EF4-FFF2-40B4-BE49-F238E27FC236}">
+                <a16:creationId xmlns:a16="http://schemas.microsoft.com/office/drawing/2014/main" id="{57C5A1BA-F556-44D1-9C84-115887F249EC}"/>
+              </a:ext>
+            </a:extLst>
+          </p:cNvPr>
+          <p:cNvSpPr>
+            <a:spLocks noGrp="1"/>
+          </p:cNvSpPr>
+          <p:nvPr>
+            <p:ph idx="1"/>
+          </p:nvPr>
+        </p:nvSpPr>
+        <p:spPr>
+          <a:xfrm>
+            <a:off x="838200" y="1825624"/>
+            <a:ext cx="10515600" cy="4353234"/>
+          </a:xfrm>
+        </p:spPr>
+        <p:txBody>
+          <a:bodyPr>
+            <a:normAutofit/>
+          </a:bodyPr>
+          <a:lstStyle/>
+          <a:p>
+            <a:pPr algn="l" rtl="0"/>
+            <a:r>
+              <a:rPr lang="en-US" dirty="0"/>
+              <a:t>Before JSF 2, there was no support for AJAX in JSF.</a:t>
+            </a:r>
+          </a:p>
+          <a:p>
+            <a:pPr algn="l" rtl="0"/>
+            <a:r>
+              <a:rPr lang="en-US" dirty="0"/>
+              <a:t>Many component providers provides workarounds for AJAX support.</a:t>
+            </a:r>
+          </a:p>
+          <a:p>
+            <a:pPr algn="l" rtl="0"/>
+            <a:r>
+              <a:rPr lang="en-US" dirty="0"/>
+              <a:t>Due to the fact that regular JSF lifecycle is not appropriate for AJAX.</a:t>
+            </a:r>
+          </a:p>
+          <a:p>
+            <a:pPr algn="l" rtl="0"/>
+            <a:r>
+              <a:rPr lang="en-US" dirty="0"/>
+              <a:t>I.e., not all the components should participate in an AJAX request and we definitely don’t want them to go through ‘full render’.</a:t>
+            </a:r>
+          </a:p>
+          <a:p>
+            <a:pPr algn="l" rtl="0"/>
+            <a:endParaRPr lang="en-US" dirty="0"/>
+          </a:p>
+        </p:txBody>
+      </p:sp>
+    </p:spTree>
+    <p:extLst>
+      <p:ext uri="{BB962C8B-B14F-4D97-AF65-F5344CB8AC3E}">
+        <p14:creationId xmlns:p14="http://schemas.microsoft.com/office/powerpoint/2010/main" val="1062378533"/>
+      </p:ext>
+    </p:extLst>
+  </p:cSld>
+  <p:clrMapOvr>
+    <a:masterClrMapping/>
+  </p:clrMapOvr>
+</p:sld>
+</file>
+
+<file path=ppt/slides/slide21.xml><?xml version="1.0" encoding="utf-8"?>
+<p:sld xmlns:a="http://schemas.openxmlformats.org/drawingml/2006/main" xmlns:r="http://schemas.openxmlformats.org/officeDocument/2006/relationships" xmlns:p="http://schemas.openxmlformats.org/presentationml/2006/main">
+  <p:cSld>
+    <p:spTree>
+      <p:nvGrpSpPr>
+        <p:cNvPr id="1" name=""/>
+        <p:cNvGrpSpPr/>
+        <p:nvPr/>
+      </p:nvGrpSpPr>
+      <p:grpSpPr>
+        <a:xfrm>
+          <a:off x="0" y="0"/>
+          <a:ext cx="0" cy="0"/>
+          <a:chOff x="0" y="0"/>
+          <a:chExt cx="0" cy="0"/>
+        </a:xfrm>
+      </p:grpSpPr>
+      <p:sp>
+        <p:nvSpPr>
+          <p:cNvPr id="2" name="Title 1">
+            <a:extLst>
+              <a:ext uri="{FF2B5EF4-FFF2-40B4-BE49-F238E27FC236}">
+                <a16:creationId xmlns:a16="http://schemas.microsoft.com/office/drawing/2014/main" id="{1777D352-9581-49EF-8DC8-FBDA9C696126}"/>
+              </a:ext>
+            </a:extLst>
+          </p:cNvPr>
+          <p:cNvSpPr>
+            <a:spLocks noGrp="1"/>
+          </p:cNvSpPr>
+          <p:nvPr>
+            <p:ph type="title"/>
+          </p:nvPr>
+        </p:nvSpPr>
+        <p:spPr/>
+        <p:txBody>
+          <a:bodyPr/>
+          <a:lstStyle/>
+          <a:p>
+            <a:r>
+              <a:rPr lang="en-US" dirty="0"/>
+              <a:t>AJAX</a:t>
+            </a:r>
+            <a:endParaRPr lang="he-IL" dirty="0"/>
+          </a:p>
+        </p:txBody>
+      </p:sp>
+      <p:sp>
+        <p:nvSpPr>
+          <p:cNvPr id="3" name="Content Placeholder 2">
+            <a:extLst>
+              <a:ext uri="{FF2B5EF4-FFF2-40B4-BE49-F238E27FC236}">
+                <a16:creationId xmlns:a16="http://schemas.microsoft.com/office/drawing/2014/main" id="{57C5A1BA-F556-44D1-9C84-115887F249EC}"/>
+              </a:ext>
+            </a:extLst>
+          </p:cNvPr>
+          <p:cNvSpPr>
+            <a:spLocks noGrp="1"/>
+          </p:cNvSpPr>
+          <p:nvPr>
+            <p:ph idx="1"/>
+          </p:nvPr>
+        </p:nvSpPr>
+        <p:spPr>
+          <a:xfrm>
+            <a:off x="838200" y="1825624"/>
+            <a:ext cx="10515600" cy="4353234"/>
+          </a:xfrm>
+        </p:spPr>
+        <p:txBody>
+          <a:bodyPr>
+            <a:normAutofit/>
+          </a:bodyPr>
+          <a:lstStyle/>
+          <a:p>
+            <a:pPr algn="l" rtl="0"/>
+            <a:r>
+              <a:rPr lang="en-US" dirty="0"/>
+              <a:t>Starting with JSF 2, JSF can process </a:t>
+            </a:r>
+            <a:r>
+              <a:rPr lang="en-US" u="sng" dirty="0"/>
+              <a:t>partial requests</a:t>
+            </a:r>
+            <a:r>
+              <a:rPr lang="en-US" dirty="0"/>
+              <a:t>.</a:t>
+            </a:r>
+          </a:p>
+          <a:p>
+            <a:pPr algn="l" rtl="0"/>
+            <a:r>
+              <a:rPr lang="en-US" dirty="0"/>
+              <a:t>Can be checked by </a:t>
+            </a:r>
+            <a:r>
+              <a:rPr lang="en-US" i="1" dirty="0" err="1"/>
+              <a:t>PartialViewContext.isAjaxRequest</a:t>
+            </a:r>
+            <a:r>
+              <a:rPr lang="en-US" i="1" dirty="0"/>
+              <a:t>()</a:t>
+            </a:r>
+            <a:r>
+              <a:rPr lang="en-US" dirty="0"/>
+              <a:t> method.</a:t>
+            </a:r>
+          </a:p>
+          <a:p>
+            <a:pPr algn="l" rtl="0"/>
+            <a:r>
+              <a:rPr lang="en-US" dirty="0"/>
+              <a:t>You can also use the </a:t>
+            </a:r>
+            <a:r>
+              <a:rPr lang="en-US" i="1" dirty="0" err="1"/>
+              <a:t>isPartialRequest</a:t>
+            </a:r>
+            <a:r>
+              <a:rPr lang="en-US" i="1" dirty="0"/>
+              <a:t>()</a:t>
+            </a:r>
+            <a:r>
+              <a:rPr lang="en-US" dirty="0"/>
+              <a:t> method as a generalization over AJAX.</a:t>
+            </a:r>
+          </a:p>
+          <a:p>
+            <a:pPr algn="l" rtl="0"/>
+            <a:endParaRPr lang="en-US" dirty="0"/>
+          </a:p>
+          <a:p>
+            <a:pPr algn="l" rtl="0"/>
+            <a:endParaRPr lang="en-US" dirty="0"/>
+          </a:p>
+        </p:txBody>
+      </p:sp>
+    </p:spTree>
+    <p:extLst>
+      <p:ext uri="{BB962C8B-B14F-4D97-AF65-F5344CB8AC3E}">
+        <p14:creationId xmlns:p14="http://schemas.microsoft.com/office/powerpoint/2010/main" val="3339372660"/>
+      </p:ext>
+    </p:extLst>
+  </p:cSld>
+  <p:clrMapOvr>
+    <a:masterClrMapping/>
+  </p:clrMapOvr>
+</p:sld>
+</file>
+
+<file path=ppt/slides/slide22.xml><?xml version="1.0" encoding="utf-8"?>
+<p:sld xmlns:a="http://schemas.openxmlformats.org/drawingml/2006/main" xmlns:r="http://schemas.openxmlformats.org/officeDocument/2006/relationships" xmlns:p="http://schemas.openxmlformats.org/presentationml/2006/main">
+  <p:cSld>
+    <p:spTree>
+      <p:nvGrpSpPr>
+        <p:cNvPr id="1" name=""/>
+        <p:cNvGrpSpPr/>
+        <p:nvPr/>
+      </p:nvGrpSpPr>
+      <p:grpSpPr>
+        <a:xfrm>
+          <a:off x="0" y="0"/>
+          <a:ext cx="0" cy="0"/>
+          <a:chOff x="0" y="0"/>
+          <a:chExt cx="0" cy="0"/>
+        </a:xfrm>
+      </p:grpSpPr>
+      <p:sp>
+        <p:nvSpPr>
+          <p:cNvPr id="2" name="Title 1">
+            <a:extLst>
+              <a:ext uri="{FF2B5EF4-FFF2-40B4-BE49-F238E27FC236}">
+                <a16:creationId xmlns:a16="http://schemas.microsoft.com/office/drawing/2014/main" id="{1777D352-9581-49EF-8DC8-FBDA9C696126}"/>
+              </a:ext>
+            </a:extLst>
+          </p:cNvPr>
+          <p:cNvSpPr>
+            <a:spLocks noGrp="1"/>
+          </p:cNvSpPr>
+          <p:nvPr>
+            <p:ph type="title"/>
+          </p:nvPr>
+        </p:nvSpPr>
+        <p:spPr/>
+        <p:txBody>
+          <a:bodyPr/>
+          <a:lstStyle/>
+          <a:p>
+            <a:r>
+              <a:rPr lang="en-US" dirty="0"/>
+              <a:t>AJAX</a:t>
+            </a:r>
+            <a:endParaRPr lang="he-IL" dirty="0"/>
+          </a:p>
+        </p:txBody>
+      </p:sp>
+      <p:sp>
+        <p:nvSpPr>
+          <p:cNvPr id="3" name="Content Placeholder 2">
+            <a:extLst>
+              <a:ext uri="{FF2B5EF4-FFF2-40B4-BE49-F238E27FC236}">
+                <a16:creationId xmlns:a16="http://schemas.microsoft.com/office/drawing/2014/main" id="{57C5A1BA-F556-44D1-9C84-115887F249EC}"/>
+              </a:ext>
+            </a:extLst>
+          </p:cNvPr>
+          <p:cNvSpPr>
+            <a:spLocks noGrp="1"/>
+          </p:cNvSpPr>
+          <p:nvPr>
+            <p:ph idx="1"/>
+          </p:nvPr>
+        </p:nvSpPr>
+        <p:spPr>
+          <a:xfrm>
+            <a:off x="838200" y="1825624"/>
+            <a:ext cx="10515600" cy="4353234"/>
+          </a:xfrm>
+        </p:spPr>
+        <p:txBody>
+          <a:bodyPr>
+            <a:normAutofit/>
+          </a:bodyPr>
+          <a:lstStyle/>
+          <a:p>
+            <a:pPr algn="l" rtl="0"/>
+            <a:r>
+              <a:rPr lang="en-US" dirty="0"/>
+              <a:t>Ajax support in JSF2 is most commonly seen with the usage of &lt;</a:t>
+            </a:r>
+            <a:r>
+              <a:rPr lang="en-US" dirty="0" err="1"/>
+              <a:t>f:ajax</a:t>
+            </a:r>
+            <a:r>
+              <a:rPr lang="en-US" dirty="0"/>
+              <a:t>&gt; tag.</a:t>
+            </a:r>
+          </a:p>
+          <a:p>
+            <a:pPr algn="l" rtl="0"/>
+            <a:r>
+              <a:rPr lang="en-US" dirty="0"/>
+              <a:t>It has two use-cases that depend on its placing:</a:t>
+            </a:r>
+          </a:p>
+          <a:p>
+            <a:pPr lvl="1" algn="l" rtl="0"/>
+            <a:r>
+              <a:rPr lang="en-US" dirty="0"/>
+              <a:t>Nested within an element.</a:t>
+            </a:r>
+          </a:p>
+          <a:p>
+            <a:pPr lvl="1" algn="l" rtl="0"/>
+            <a:r>
+              <a:rPr lang="en-US" dirty="0"/>
+              <a:t>Surrounding a group of elements.</a:t>
+            </a:r>
+          </a:p>
+          <a:p>
+            <a:pPr lvl="1" algn="l" rtl="0"/>
+            <a:endParaRPr lang="en-US" dirty="0"/>
+          </a:p>
+          <a:p>
+            <a:pPr algn="l" rtl="0"/>
+            <a:r>
+              <a:rPr lang="en-US" dirty="0"/>
+              <a:t>Let’s discuss these cases…</a:t>
+            </a:r>
+          </a:p>
+          <a:p>
+            <a:pPr algn="l" rtl="0"/>
+            <a:endParaRPr lang="en-US" dirty="0"/>
+          </a:p>
+          <a:p>
+            <a:pPr algn="l" rtl="0"/>
+            <a:endParaRPr lang="en-US" dirty="0"/>
+          </a:p>
+        </p:txBody>
+      </p:sp>
+    </p:spTree>
+    <p:extLst>
+      <p:ext uri="{BB962C8B-B14F-4D97-AF65-F5344CB8AC3E}">
+        <p14:creationId xmlns:p14="http://schemas.microsoft.com/office/powerpoint/2010/main" val="4153709129"/>
+      </p:ext>
+    </p:extLst>
+  </p:cSld>
+  <p:clrMapOvr>
+    <a:masterClrMapping/>
+  </p:clrMapOvr>
+</p:sld>
+</file>
+
+<file path=ppt/slides/slide23.xml><?xml version="1.0" encoding="utf-8"?>
+<p:sld xmlns:a="http://schemas.openxmlformats.org/drawingml/2006/main" xmlns:r="http://schemas.openxmlformats.org/officeDocument/2006/relationships" xmlns:p="http://schemas.openxmlformats.org/presentationml/2006/main">
+  <p:cSld>
+    <p:spTree>
+      <p:nvGrpSpPr>
+        <p:cNvPr id="1" name=""/>
+        <p:cNvGrpSpPr/>
+        <p:nvPr/>
+      </p:nvGrpSpPr>
+      <p:grpSpPr>
+        <a:xfrm>
+          <a:off x="0" y="0"/>
+          <a:ext cx="0" cy="0"/>
+          <a:chOff x="0" y="0"/>
+          <a:chExt cx="0" cy="0"/>
+        </a:xfrm>
+      </p:grpSpPr>
+      <p:sp>
+        <p:nvSpPr>
+          <p:cNvPr id="2" name="Title 1">
+            <a:extLst>
+              <a:ext uri="{FF2B5EF4-FFF2-40B4-BE49-F238E27FC236}">
+                <a16:creationId xmlns:a16="http://schemas.microsoft.com/office/drawing/2014/main" id="{1777D352-9581-49EF-8DC8-FBDA9C696126}"/>
+              </a:ext>
+            </a:extLst>
+          </p:cNvPr>
+          <p:cNvSpPr>
+            <a:spLocks noGrp="1"/>
+          </p:cNvSpPr>
+          <p:nvPr>
+            <p:ph type="title"/>
+          </p:nvPr>
+        </p:nvSpPr>
+        <p:spPr/>
+        <p:txBody>
+          <a:bodyPr/>
+          <a:lstStyle/>
+          <a:p>
+            <a:r>
+              <a:rPr lang="en-US" dirty="0"/>
+              <a:t>Single Component Case</a:t>
+            </a:r>
+            <a:endParaRPr lang="he-IL" dirty="0"/>
+          </a:p>
+        </p:txBody>
+      </p:sp>
+      <p:sp>
+        <p:nvSpPr>
+          <p:cNvPr id="3" name="Content Placeholder 2">
+            <a:extLst>
+              <a:ext uri="{FF2B5EF4-FFF2-40B4-BE49-F238E27FC236}">
+                <a16:creationId xmlns:a16="http://schemas.microsoft.com/office/drawing/2014/main" id="{57C5A1BA-F556-44D1-9C84-115887F249EC}"/>
+              </a:ext>
+            </a:extLst>
+          </p:cNvPr>
+          <p:cNvSpPr>
+            <a:spLocks noGrp="1"/>
+          </p:cNvSpPr>
+          <p:nvPr>
+            <p:ph idx="1"/>
+          </p:nvPr>
+        </p:nvSpPr>
+        <p:spPr>
+          <a:xfrm>
+            <a:off x="838200" y="1825624"/>
+            <a:ext cx="10515600" cy="4353234"/>
+          </a:xfrm>
+        </p:spPr>
+        <p:txBody>
+          <a:bodyPr>
+            <a:normAutofit/>
+          </a:bodyPr>
+          <a:lstStyle/>
+          <a:p>
+            <a:pPr algn="l" rtl="0"/>
+            <a:r>
+              <a:rPr lang="en-US" dirty="0"/>
+              <a:t>When </a:t>
+            </a:r>
+            <a:r>
+              <a:rPr lang="en-US" dirty="0">
+                <a:sym typeface="Verdana" charset="0"/>
+              </a:rPr>
+              <a:t>the &lt;</a:t>
+            </a:r>
+            <a:r>
+              <a:rPr lang="en-US" dirty="0" err="1">
+                <a:sym typeface="Verdana" charset="0"/>
+              </a:rPr>
+              <a:t>f:ajax</a:t>
+            </a:r>
+            <a:r>
+              <a:rPr lang="en-US" dirty="0">
+                <a:sym typeface="Verdana" charset="0"/>
+              </a:rPr>
+              <a:t>&gt; is nested inside a single element, it will specify which operation of this element will be Ajax-based.</a:t>
+            </a:r>
+            <a:endParaRPr lang="en-US" dirty="0"/>
+          </a:p>
+          <a:p>
+            <a:pPr algn="l" rtl="0"/>
+            <a:r>
+              <a:rPr lang="en-US" dirty="0"/>
+              <a:t>It </a:t>
+            </a:r>
+            <a:r>
+              <a:rPr lang="en-US" dirty="0">
+                <a:sym typeface="Verdana" charset="0"/>
+              </a:rPr>
+              <a:t>can be nested within all of the standard JSF components (the HTML ones) and inside any custom component that implements the </a:t>
+            </a:r>
+            <a:r>
+              <a:rPr lang="en-US" i="1" dirty="0" err="1">
+                <a:sym typeface="Verdana" charset="0"/>
+              </a:rPr>
+              <a:t>ClientBehaviorHolder</a:t>
+            </a:r>
+            <a:r>
+              <a:rPr lang="en-US" dirty="0">
+                <a:sym typeface="Verdana" charset="0"/>
+              </a:rPr>
+              <a:t> interface.</a:t>
+            </a:r>
+          </a:p>
+          <a:p>
+            <a:pPr algn="l" rtl="0"/>
+            <a:endParaRPr lang="en-US" dirty="0"/>
+          </a:p>
+          <a:p>
+            <a:pPr algn="l" rtl="0"/>
+            <a:r>
+              <a:rPr lang="en-US" dirty="0"/>
+              <a:t>Let’s </a:t>
+            </a:r>
+            <a:r>
+              <a:rPr lang="en-US" dirty="0">
+                <a:sym typeface="Verdana" charset="0"/>
+              </a:rPr>
+              <a:t>get familiar with its attributes…</a:t>
+            </a:r>
+            <a:endParaRPr lang="en-US" dirty="0"/>
+          </a:p>
+        </p:txBody>
+      </p:sp>
+    </p:spTree>
+    <p:extLst>
+      <p:ext uri="{BB962C8B-B14F-4D97-AF65-F5344CB8AC3E}">
+        <p14:creationId xmlns:p14="http://schemas.microsoft.com/office/powerpoint/2010/main" val="3269797886"/>
+      </p:ext>
+    </p:extLst>
+  </p:cSld>
+  <p:clrMapOvr>
+    <a:masterClrMapping/>
+  </p:clrMapOvr>
+</p:sld>
+</file>
+
+<file path=ppt/slides/slide24.xml><?xml version="1.0" encoding="utf-8"?>
+<p:sld xmlns:a="http://schemas.openxmlformats.org/drawingml/2006/main" xmlns:r="http://schemas.openxmlformats.org/officeDocument/2006/relationships" xmlns:p="http://schemas.openxmlformats.org/presentationml/2006/main">
+  <p:cSld>
+    <p:spTree>
+      <p:nvGrpSpPr>
+        <p:cNvPr id="1" name=""/>
+        <p:cNvGrpSpPr/>
+        <p:nvPr/>
+      </p:nvGrpSpPr>
+      <p:grpSpPr>
+        <a:xfrm>
+          <a:off x="0" y="0"/>
+          <a:ext cx="0" cy="0"/>
+          <a:chOff x="0" y="0"/>
+          <a:chExt cx="0" cy="0"/>
+        </a:xfrm>
+      </p:grpSpPr>
+      <p:sp>
+        <p:nvSpPr>
+          <p:cNvPr id="2" name="Title 1">
+            <a:extLst>
+              <a:ext uri="{FF2B5EF4-FFF2-40B4-BE49-F238E27FC236}">
+                <a16:creationId xmlns:a16="http://schemas.microsoft.com/office/drawing/2014/main" id="{1777D352-9581-49EF-8DC8-FBDA9C696126}"/>
+              </a:ext>
+            </a:extLst>
+          </p:cNvPr>
+          <p:cNvSpPr>
+            <a:spLocks noGrp="1"/>
+          </p:cNvSpPr>
+          <p:nvPr>
+            <p:ph type="title"/>
+          </p:nvPr>
+        </p:nvSpPr>
+        <p:spPr/>
+        <p:txBody>
+          <a:bodyPr/>
+          <a:lstStyle/>
+          <a:p>
+            <a:r>
+              <a:rPr lang="en-US" dirty="0"/>
+              <a:t>Attributes</a:t>
+            </a:r>
+            <a:endParaRPr lang="he-IL" dirty="0"/>
+          </a:p>
+        </p:txBody>
+      </p:sp>
+      <p:sp>
+        <p:nvSpPr>
+          <p:cNvPr id="3" name="Content Placeholder 2">
+            <a:extLst>
+              <a:ext uri="{FF2B5EF4-FFF2-40B4-BE49-F238E27FC236}">
+                <a16:creationId xmlns:a16="http://schemas.microsoft.com/office/drawing/2014/main" id="{57C5A1BA-F556-44D1-9C84-115887F249EC}"/>
+              </a:ext>
+            </a:extLst>
+          </p:cNvPr>
+          <p:cNvSpPr>
+            <a:spLocks noGrp="1"/>
+          </p:cNvSpPr>
+          <p:nvPr>
+            <p:ph idx="1"/>
+          </p:nvPr>
+        </p:nvSpPr>
+        <p:spPr>
+          <a:xfrm>
+            <a:off x="838200" y="1825624"/>
+            <a:ext cx="10515600" cy="4353234"/>
+          </a:xfrm>
+        </p:spPr>
+        <p:txBody>
+          <a:bodyPr>
+            <a:normAutofit/>
+          </a:bodyPr>
+          <a:lstStyle/>
+          <a:p>
+            <a:pPr algn="l" rtl="0"/>
+            <a:r>
+              <a:rPr lang="en-US" u="sng" dirty="0"/>
+              <a:t>event</a:t>
+            </a:r>
+            <a:r>
+              <a:rPr lang="en-US" dirty="0"/>
+              <a:t> – the </a:t>
+            </a:r>
+            <a:r>
+              <a:rPr lang="en-US" dirty="0">
+                <a:sym typeface="Verdana" charset="0"/>
+              </a:rPr>
+              <a:t>event of the component to be </a:t>
+            </a:r>
+            <a:r>
+              <a:rPr lang="en-US" dirty="0" err="1">
+                <a:sym typeface="Verdana" charset="0"/>
+              </a:rPr>
+              <a:t>ajaxified</a:t>
+            </a:r>
+            <a:r>
+              <a:rPr lang="en-US" dirty="0">
+                <a:sym typeface="Verdana" charset="0"/>
+              </a:rPr>
+              <a:t>. By default its either ‘action’ or ‘</a:t>
+            </a:r>
+            <a:r>
+              <a:rPr lang="en-US" dirty="0" err="1">
+                <a:sym typeface="Verdana" charset="0"/>
+              </a:rPr>
+              <a:t>valueChange</a:t>
+            </a:r>
+            <a:r>
+              <a:rPr lang="en-US" dirty="0">
+                <a:sym typeface="Verdana" charset="0"/>
+              </a:rPr>
+              <a:t>’ (depending on the component type.</a:t>
+            </a:r>
+          </a:p>
+          <a:p>
+            <a:pPr algn="l" rtl="0"/>
+            <a:r>
+              <a:rPr lang="en-US" u="sng" dirty="0">
+                <a:sym typeface="Verdana" charset="0"/>
+              </a:rPr>
+              <a:t>execute</a:t>
+            </a:r>
+            <a:r>
+              <a:rPr lang="en-US" dirty="0">
+                <a:sym typeface="Verdana" charset="0"/>
+              </a:rPr>
+              <a:t> – see next page.</a:t>
+            </a:r>
+          </a:p>
+          <a:p>
+            <a:pPr algn="l" rtl="0"/>
+            <a:r>
+              <a:rPr lang="en-US" u="sng" dirty="0">
+                <a:sym typeface="Verdana" charset="0"/>
+              </a:rPr>
+              <a:t>render</a:t>
+            </a:r>
+            <a:r>
+              <a:rPr lang="en-US" dirty="0">
+                <a:sym typeface="Verdana" charset="0"/>
+              </a:rPr>
+              <a:t> – see next page.</a:t>
+            </a:r>
+          </a:p>
+          <a:p>
+            <a:pPr algn="l" rtl="0"/>
+            <a:r>
+              <a:rPr lang="en-US" u="sng" dirty="0">
+                <a:sym typeface="Verdana" charset="0"/>
+              </a:rPr>
+              <a:t>immediate</a:t>
+            </a:r>
+            <a:r>
+              <a:rPr lang="en-US" dirty="0">
+                <a:sym typeface="Verdana" charset="0"/>
+              </a:rPr>
+              <a:t>.</a:t>
+            </a:r>
+          </a:p>
+          <a:p>
+            <a:pPr algn="l" rtl="0"/>
+            <a:r>
+              <a:rPr lang="en-US" u="sng" dirty="0">
+                <a:sym typeface="Verdana" charset="0"/>
+              </a:rPr>
+              <a:t>disabled</a:t>
+            </a:r>
+            <a:r>
+              <a:rPr lang="en-US" dirty="0">
+                <a:sym typeface="Verdana" charset="0"/>
+              </a:rPr>
+              <a:t> – default is ‘false’.</a:t>
+            </a:r>
+          </a:p>
+          <a:p>
+            <a:pPr algn="l" rtl="0"/>
+            <a:r>
+              <a:rPr lang="en-US" u="sng" dirty="0">
+                <a:sym typeface="Verdana" charset="0"/>
+              </a:rPr>
+              <a:t>listener</a:t>
+            </a:r>
+            <a:r>
+              <a:rPr lang="en-US" dirty="0">
+                <a:sym typeface="Verdana" charset="0"/>
+              </a:rPr>
+              <a:t> – a method expression of a listener.</a:t>
+            </a:r>
+          </a:p>
+          <a:p>
+            <a:pPr algn="l" rtl="0"/>
+            <a:r>
+              <a:rPr lang="en-US" u="sng" dirty="0" err="1">
+                <a:sym typeface="Verdana" charset="0"/>
+              </a:rPr>
+              <a:t>onevent</a:t>
+            </a:r>
+            <a:r>
+              <a:rPr lang="en-US" dirty="0">
+                <a:sym typeface="Verdana" charset="0"/>
+              </a:rPr>
+              <a:t>, </a:t>
+            </a:r>
+            <a:r>
+              <a:rPr lang="en-US" u="sng" dirty="0" err="1">
+                <a:sym typeface="Verdana" charset="0"/>
+              </a:rPr>
+              <a:t>onerror</a:t>
+            </a:r>
+            <a:r>
+              <a:rPr lang="en-US" dirty="0">
+                <a:sym typeface="Verdana" charset="0"/>
+              </a:rPr>
+              <a:t> – JavaScript method names.</a:t>
+            </a:r>
+          </a:p>
+          <a:p>
+            <a:pPr algn="l" rtl="0"/>
+            <a:endParaRPr lang="en-US" dirty="0"/>
+          </a:p>
+        </p:txBody>
+      </p:sp>
+    </p:spTree>
+    <p:extLst>
+      <p:ext uri="{BB962C8B-B14F-4D97-AF65-F5344CB8AC3E}">
+        <p14:creationId xmlns:p14="http://schemas.microsoft.com/office/powerpoint/2010/main" val="1574233319"/>
+      </p:ext>
+    </p:extLst>
+  </p:cSld>
+  <p:clrMapOvr>
+    <a:masterClrMapping/>
+  </p:clrMapOvr>
+</p:sld>
+</file>
+
+<file path=ppt/slides/slide25.xml><?xml version="1.0" encoding="utf-8"?>
+<p:sld xmlns:a="http://schemas.openxmlformats.org/drawingml/2006/main" xmlns:r="http://schemas.openxmlformats.org/officeDocument/2006/relationships" xmlns:p="http://schemas.openxmlformats.org/presentationml/2006/main">
+  <p:cSld>
+    <p:spTree>
+      <p:nvGrpSpPr>
+        <p:cNvPr id="1" name=""/>
+        <p:cNvGrpSpPr/>
+        <p:nvPr/>
+      </p:nvGrpSpPr>
+      <p:grpSpPr>
+        <a:xfrm>
+          <a:off x="0" y="0"/>
+          <a:ext cx="0" cy="0"/>
+          <a:chOff x="0" y="0"/>
+          <a:chExt cx="0" cy="0"/>
+        </a:xfrm>
+      </p:grpSpPr>
+      <p:sp>
+        <p:nvSpPr>
+          <p:cNvPr id="2" name="Title 1">
+            <a:extLst>
+              <a:ext uri="{FF2B5EF4-FFF2-40B4-BE49-F238E27FC236}">
+                <a16:creationId xmlns:a16="http://schemas.microsoft.com/office/drawing/2014/main" id="{1777D352-9581-49EF-8DC8-FBDA9C696126}"/>
+              </a:ext>
+            </a:extLst>
+          </p:cNvPr>
+          <p:cNvSpPr>
+            <a:spLocks noGrp="1"/>
+          </p:cNvSpPr>
+          <p:nvPr>
+            <p:ph type="title"/>
+          </p:nvPr>
+        </p:nvSpPr>
+        <p:spPr/>
+        <p:txBody>
+          <a:bodyPr/>
+          <a:lstStyle/>
+          <a:p>
+            <a:r>
+              <a:rPr lang="en-US" dirty="0"/>
+              <a:t>execute &amp; render</a:t>
+            </a:r>
+            <a:endParaRPr lang="he-IL" dirty="0"/>
+          </a:p>
+        </p:txBody>
+      </p:sp>
+      <p:sp>
+        <p:nvSpPr>
+          <p:cNvPr id="3" name="Content Placeholder 2">
+            <a:extLst>
+              <a:ext uri="{FF2B5EF4-FFF2-40B4-BE49-F238E27FC236}">
+                <a16:creationId xmlns:a16="http://schemas.microsoft.com/office/drawing/2014/main" id="{57C5A1BA-F556-44D1-9C84-115887F249EC}"/>
+              </a:ext>
+            </a:extLst>
+          </p:cNvPr>
+          <p:cNvSpPr>
+            <a:spLocks noGrp="1"/>
+          </p:cNvSpPr>
+          <p:nvPr>
+            <p:ph idx="1"/>
+          </p:nvPr>
+        </p:nvSpPr>
+        <p:spPr>
+          <a:xfrm>
+            <a:off x="838200" y="1825624"/>
+            <a:ext cx="10515600" cy="4353234"/>
+          </a:xfrm>
+        </p:spPr>
+        <p:txBody>
+          <a:bodyPr>
+            <a:normAutofit/>
+          </a:bodyPr>
+          <a:lstStyle/>
+          <a:p>
+            <a:pPr algn="l" rtl="0"/>
+            <a:r>
+              <a:rPr lang="en-US" dirty="0"/>
+              <a:t>The </a:t>
+            </a:r>
+            <a:r>
+              <a:rPr lang="en-US" i="1" dirty="0">
+                <a:sym typeface="Verdana" charset="0"/>
+              </a:rPr>
+              <a:t>execute</a:t>
+            </a:r>
+            <a:r>
+              <a:rPr lang="en-US" dirty="0">
+                <a:sym typeface="Verdana" charset="0"/>
+              </a:rPr>
+              <a:t> and </a:t>
+            </a:r>
+            <a:r>
+              <a:rPr lang="en-US" i="1" dirty="0">
+                <a:sym typeface="Verdana" charset="0"/>
+              </a:rPr>
+              <a:t>render</a:t>
+            </a:r>
+            <a:r>
+              <a:rPr lang="en-US" dirty="0">
+                <a:sym typeface="Verdana" charset="0"/>
+              </a:rPr>
+              <a:t> attributes can specify a whitespace separated list of component ids to participate in the ‘execute’ or ‘render’ lifecycle phases.</a:t>
+            </a:r>
+          </a:p>
+          <a:p>
+            <a:pPr algn="l" rtl="0"/>
+            <a:r>
+              <a:rPr lang="en-US" dirty="0">
+                <a:sym typeface="Verdana" charset="0"/>
+              </a:rPr>
+              <a:t>By default the keyword </a:t>
+            </a:r>
+            <a:r>
+              <a:rPr lang="en-US" u="sng" dirty="0">
+                <a:sym typeface="Verdana" charset="0"/>
+              </a:rPr>
+              <a:t>‘@this</a:t>
+            </a:r>
+            <a:r>
+              <a:rPr lang="en-US" dirty="0">
+                <a:sym typeface="Verdana" charset="0"/>
+              </a:rPr>
+              <a:t>’ is provided (which specifies the current component that triggered the event.</a:t>
+            </a:r>
+          </a:p>
+          <a:p>
+            <a:pPr algn="l" rtl="0"/>
+            <a:r>
+              <a:rPr lang="en-US" dirty="0">
+                <a:sym typeface="Verdana" charset="0"/>
+              </a:rPr>
+              <a:t>More supported keywords: @all, @form and @none.</a:t>
+            </a:r>
+          </a:p>
+          <a:p>
+            <a:pPr algn="l" rtl="0"/>
+            <a:endParaRPr lang="en-US" dirty="0"/>
+          </a:p>
+        </p:txBody>
+      </p:sp>
+    </p:spTree>
+    <p:extLst>
+      <p:ext uri="{BB962C8B-B14F-4D97-AF65-F5344CB8AC3E}">
+        <p14:creationId xmlns:p14="http://schemas.microsoft.com/office/powerpoint/2010/main" val="2296772166"/>
+      </p:ext>
+    </p:extLst>
+  </p:cSld>
+  <p:clrMapOvr>
+    <a:masterClrMapping/>
+  </p:clrMapOvr>
+</p:sld>
+</file>
+
+<file path=ppt/slides/slide26.xml><?xml version="1.0" encoding="utf-8"?>
+<p:sld xmlns:a="http://schemas.openxmlformats.org/drawingml/2006/main" xmlns:r="http://schemas.openxmlformats.org/officeDocument/2006/relationships" xmlns:p="http://schemas.openxmlformats.org/presentationml/2006/main">
+  <p:cSld>
+    <p:spTree>
+      <p:nvGrpSpPr>
+        <p:cNvPr id="1" name=""/>
+        <p:cNvGrpSpPr/>
+        <p:nvPr/>
+      </p:nvGrpSpPr>
+      <p:grpSpPr>
+        <a:xfrm>
+          <a:off x="0" y="0"/>
+          <a:ext cx="0" cy="0"/>
+          <a:chOff x="0" y="0"/>
+          <a:chExt cx="0" cy="0"/>
+        </a:xfrm>
+      </p:grpSpPr>
+      <p:sp>
+        <p:nvSpPr>
+          <p:cNvPr id="2" name="Title 1">
+            <a:extLst>
+              <a:ext uri="{FF2B5EF4-FFF2-40B4-BE49-F238E27FC236}">
+                <a16:creationId xmlns:a16="http://schemas.microsoft.com/office/drawing/2014/main" id="{1777D352-9581-49EF-8DC8-FBDA9C696126}"/>
+              </a:ext>
+            </a:extLst>
+          </p:cNvPr>
+          <p:cNvSpPr>
+            <a:spLocks noGrp="1"/>
+          </p:cNvSpPr>
+          <p:nvPr>
+            <p:ph type="title"/>
+          </p:nvPr>
+        </p:nvSpPr>
+        <p:spPr/>
+        <p:txBody>
+          <a:bodyPr/>
+          <a:lstStyle/>
+          <a:p>
+            <a:r>
+              <a:rPr lang="en-US" dirty="0"/>
+              <a:t>Multiple Components Case</a:t>
+            </a:r>
+            <a:endParaRPr lang="he-IL" dirty="0"/>
+          </a:p>
+        </p:txBody>
+      </p:sp>
+      <p:sp>
+        <p:nvSpPr>
+          <p:cNvPr id="3" name="Content Placeholder 2">
+            <a:extLst>
+              <a:ext uri="{FF2B5EF4-FFF2-40B4-BE49-F238E27FC236}">
+                <a16:creationId xmlns:a16="http://schemas.microsoft.com/office/drawing/2014/main" id="{57C5A1BA-F556-44D1-9C84-115887F249EC}"/>
+              </a:ext>
+            </a:extLst>
+          </p:cNvPr>
+          <p:cNvSpPr>
+            <a:spLocks noGrp="1"/>
+          </p:cNvSpPr>
+          <p:nvPr>
+            <p:ph idx="1"/>
+          </p:nvPr>
+        </p:nvSpPr>
+        <p:spPr>
+          <a:xfrm>
+            <a:off x="838200" y="1825624"/>
+            <a:ext cx="10515600" cy="4353234"/>
+          </a:xfrm>
+        </p:spPr>
+        <p:txBody>
+          <a:bodyPr>
+            <a:normAutofit/>
+          </a:bodyPr>
+          <a:lstStyle/>
+          <a:p>
+            <a:pPr algn="l" rtl="0"/>
+            <a:r>
+              <a:rPr lang="en-US" dirty="0"/>
+              <a:t>When </a:t>
+            </a:r>
+            <a:r>
+              <a:rPr lang="en-US" dirty="0">
+                <a:sym typeface="Verdana" charset="0"/>
+              </a:rPr>
+              <a:t>the </a:t>
+            </a:r>
+            <a:r>
+              <a:rPr lang="en-US" dirty="0" err="1">
+                <a:sym typeface="Verdana" charset="0"/>
+              </a:rPr>
+              <a:t>f:ajax</a:t>
+            </a:r>
+            <a:r>
+              <a:rPr lang="en-US" dirty="0">
+                <a:sym typeface="Verdana" charset="0"/>
+              </a:rPr>
+              <a:t> tag surrounds a group of components, it </a:t>
+            </a:r>
+            <a:r>
+              <a:rPr lang="en-US" dirty="0" err="1">
+                <a:sym typeface="Verdana" charset="0"/>
+              </a:rPr>
+              <a:t>ajaxifies</a:t>
+            </a:r>
+            <a:r>
+              <a:rPr lang="en-US" dirty="0">
+                <a:sym typeface="Verdana" charset="0"/>
+              </a:rPr>
+              <a:t> them all.</a:t>
+            </a:r>
+          </a:p>
+          <a:p>
+            <a:pPr algn="l" rtl="0"/>
+            <a:endParaRPr lang="en-US" dirty="0">
+              <a:sym typeface="Verdana" charset="0"/>
+            </a:endParaRPr>
+          </a:p>
+          <a:p>
+            <a:pPr algn="l" rtl="0"/>
+            <a:endParaRPr lang="en-US" dirty="0"/>
+          </a:p>
+        </p:txBody>
+      </p:sp>
+    </p:spTree>
+    <p:extLst>
+      <p:ext uri="{BB962C8B-B14F-4D97-AF65-F5344CB8AC3E}">
+        <p14:creationId xmlns:p14="http://schemas.microsoft.com/office/powerpoint/2010/main" val="1849041889"/>
       </p:ext>
     </p:extLst>
   </p:cSld>
